--- a/Présentation.pptx
+++ b/Présentation.pptx
@@ -116,6 +116,11 @@
       </a:defRPr>
     </a:lvl9pPr>
   </p:defaultTextStyle>
+  <p:extLst>
+    <p:ext uri="{EFAFB233-063F-42B5-8137-9DF3F51BA10A}">
+      <p15:sldGuideLst xmlns:p15="http://schemas.microsoft.com/office/powerpoint/2012/main"/>
+    </p:ext>
+  </p:extLst>
 </p:presentation>
 </file>
 
@@ -201,7 +206,7 @@
           <a:p>
             <a:fld id="{56BA6755-8FAD-734D-A9FC-38AF62778691}" type="datetimeFigureOut">
               <a:rPr lang="fr-FR" smtClean="0"/>
-              <a:t>17/01/2024</a:t>
+              <a:t>21/01/2024</a:t>
             </a:fld>
             <a:endParaRPr lang="fr-FR"/>
           </a:p>
@@ -699,7 +704,7 @@
           <a:p>
             <a:fld id="{097F1380-32D2-9446-B3C6-C269813053C2}" type="datetimeFigureOut">
               <a:rPr lang="fr-FR" smtClean="0"/>
-              <a:t>17/01/2024</a:t>
+              <a:t>21/01/2024</a:t>
             </a:fld>
             <a:endParaRPr lang="fr-FR"/>
           </a:p>
@@ -897,7 +902,7 @@
           <a:p>
             <a:fld id="{097F1380-32D2-9446-B3C6-C269813053C2}" type="datetimeFigureOut">
               <a:rPr lang="fr-FR" smtClean="0"/>
-              <a:t>17/01/2024</a:t>
+              <a:t>21/01/2024</a:t>
             </a:fld>
             <a:endParaRPr lang="fr-FR"/>
           </a:p>
@@ -1105,7 +1110,7 @@
           <a:p>
             <a:fld id="{097F1380-32D2-9446-B3C6-C269813053C2}" type="datetimeFigureOut">
               <a:rPr lang="fr-FR" smtClean="0"/>
-              <a:t>17/01/2024</a:t>
+              <a:t>21/01/2024</a:t>
             </a:fld>
             <a:endParaRPr lang="fr-FR"/>
           </a:p>
@@ -1303,7 +1308,7 @@
           <a:p>
             <a:fld id="{097F1380-32D2-9446-B3C6-C269813053C2}" type="datetimeFigureOut">
               <a:rPr lang="fr-FR" smtClean="0"/>
-              <a:t>17/01/2024</a:t>
+              <a:t>21/01/2024</a:t>
             </a:fld>
             <a:endParaRPr lang="fr-FR"/>
           </a:p>
@@ -1578,7 +1583,7 @@
           <a:p>
             <a:fld id="{097F1380-32D2-9446-B3C6-C269813053C2}" type="datetimeFigureOut">
               <a:rPr lang="fr-FR" smtClean="0"/>
-              <a:t>17/01/2024</a:t>
+              <a:t>21/01/2024</a:t>
             </a:fld>
             <a:endParaRPr lang="fr-FR"/>
           </a:p>
@@ -1843,7 +1848,7 @@
           <a:p>
             <a:fld id="{097F1380-32D2-9446-B3C6-C269813053C2}" type="datetimeFigureOut">
               <a:rPr lang="fr-FR" smtClean="0"/>
-              <a:t>17/01/2024</a:t>
+              <a:t>21/01/2024</a:t>
             </a:fld>
             <a:endParaRPr lang="fr-FR"/>
           </a:p>
@@ -2255,7 +2260,7 @@
           <a:p>
             <a:fld id="{097F1380-32D2-9446-B3C6-C269813053C2}" type="datetimeFigureOut">
               <a:rPr lang="fr-FR" smtClean="0"/>
-              <a:t>17/01/2024</a:t>
+              <a:t>21/01/2024</a:t>
             </a:fld>
             <a:endParaRPr lang="fr-FR"/>
           </a:p>
@@ -2396,7 +2401,7 @@
           <a:p>
             <a:fld id="{097F1380-32D2-9446-B3C6-C269813053C2}" type="datetimeFigureOut">
               <a:rPr lang="fr-FR" smtClean="0"/>
-              <a:t>17/01/2024</a:t>
+              <a:t>21/01/2024</a:t>
             </a:fld>
             <a:endParaRPr lang="fr-FR"/>
           </a:p>
@@ -2509,7 +2514,7 @@
           <a:p>
             <a:fld id="{097F1380-32D2-9446-B3C6-C269813053C2}" type="datetimeFigureOut">
               <a:rPr lang="fr-FR" smtClean="0"/>
-              <a:t>17/01/2024</a:t>
+              <a:t>21/01/2024</a:t>
             </a:fld>
             <a:endParaRPr lang="fr-FR"/>
           </a:p>
@@ -2820,7 +2825,7 @@
           <a:p>
             <a:fld id="{097F1380-32D2-9446-B3C6-C269813053C2}" type="datetimeFigureOut">
               <a:rPr lang="fr-FR" smtClean="0"/>
-              <a:t>17/01/2024</a:t>
+              <a:t>21/01/2024</a:t>
             </a:fld>
             <a:endParaRPr lang="fr-FR"/>
           </a:p>
@@ -3108,7 +3113,7 @@
           <a:p>
             <a:fld id="{097F1380-32D2-9446-B3C6-C269813053C2}" type="datetimeFigureOut">
               <a:rPr lang="fr-FR" smtClean="0"/>
-              <a:t>17/01/2024</a:t>
+              <a:t>21/01/2024</a:t>
             </a:fld>
             <a:endParaRPr lang="fr-FR"/>
           </a:p>
@@ -3349,7 +3354,7 @@
           <a:p>
             <a:fld id="{097F1380-32D2-9446-B3C6-C269813053C2}" type="datetimeFigureOut">
               <a:rPr lang="fr-FR" smtClean="0"/>
-              <a:t>17/01/2024</a:t>
+              <a:t>21/01/2024</a:t>
             </a:fld>
             <a:endParaRPr lang="fr-FR"/>
           </a:p>
@@ -4341,7 +4346,7 @@
                 <a:effectLst/>
                 <a:latin typeface="Söhne"/>
               </a:rPr>
-              <a:t>Inscription et Gestion des Membres:</a:t>
+              <a:t>Inscription et gestion des membres:</a:t>
             </a:r>
             <a:r>
               <a:rPr lang="fr-CH" b="0" i="0" u="none" strike="noStrike" dirty="0">
@@ -4384,7 +4389,7 @@
                 <a:effectLst/>
                 <a:latin typeface="Söhne"/>
               </a:rPr>
-              <a:t>Planification des Cours:</a:t>
+              <a:t>Planification des cours:</a:t>
             </a:r>
             <a:r>
               <a:rPr lang="fr-CH" b="0" i="0" u="none" strike="noStrike" dirty="0">
@@ -4404,7 +4409,7 @@
                 <a:effectLst/>
                 <a:latin typeface="Söhne"/>
               </a:rPr>
-              <a:t>Gestion des Paiements:</a:t>
+              <a:t>Gestion des paiements:</a:t>
             </a:r>
             <a:r>
               <a:rPr lang="fr-CH" b="0" i="0" u="none" strike="noStrike" dirty="0">
@@ -4465,44 +4470,12 @@
           <a:chExt cx="0" cy="0"/>
         </a:xfrm>
       </p:grpSpPr>
-      <p:sp>
-        <p:nvSpPr>
-          <p:cNvPr id="2" name="Titre 1">
-            <a:extLst>
-              <a:ext uri="{FF2B5EF4-FFF2-40B4-BE49-F238E27FC236}">
-                <a16:creationId xmlns:a16="http://schemas.microsoft.com/office/drawing/2014/main" id="{4289EC73-7F6B-5077-B801-0A04CF33C05C}"/>
-              </a:ext>
-            </a:extLst>
-          </p:cNvPr>
-          <p:cNvSpPr>
-            <a:spLocks noGrp="1"/>
-          </p:cNvSpPr>
-          <p:nvPr>
-            <p:ph type="title"/>
-          </p:nvPr>
-        </p:nvSpPr>
-        <p:spPr/>
-        <p:txBody>
-          <a:bodyPr/>
-          <a:lstStyle/>
-          <a:p>
-            <a:r>
-              <a:rPr lang="fr-CH" b="1" i="0" u="none" strike="noStrike" dirty="0">
-                <a:effectLst/>
-                <a:latin typeface="Söhne"/>
-              </a:rPr>
-              <a:t>Schéma Conceptuel UML</a:t>
-            </a:r>
-            <a:endParaRPr lang="fr-FR" dirty="0"/>
-          </a:p>
-        </p:txBody>
-      </p:sp>
       <p:pic>
         <p:nvPicPr>
-          <p:cNvPr id="5" name="Espace réservé du contenu 4">
-            <a:extLst>
-              <a:ext uri="{FF2B5EF4-FFF2-40B4-BE49-F238E27FC236}">
-                <a16:creationId xmlns:a16="http://schemas.microsoft.com/office/drawing/2014/main" id="{FA3616F2-3EEA-4F34-79F3-73D4E855A6F8}"/>
+          <p:cNvPr id="7" name="Espace réservé du contenu 6" descr="Une image contenant texte, diagramme, Plan, schématique&#10;&#10;Description générée automatiquement">
+            <a:extLst>
+              <a:ext uri="{FF2B5EF4-FFF2-40B4-BE49-F238E27FC236}">
+                <a16:creationId xmlns:a16="http://schemas.microsoft.com/office/drawing/2014/main" id="{0437E896-CF49-993F-96DF-B4240F4EADE1}"/>
               </a:ext>
             </a:extLst>
           </p:cNvPr>
@@ -4521,11 +4494,43 @@
         </p:blipFill>
         <p:spPr>
           <a:xfrm>
-            <a:off x="4324866" y="340843"/>
-            <a:ext cx="7735328" cy="6325021"/>
+            <a:off x="607541" y="61220"/>
+            <a:ext cx="10746259" cy="6796780"/>
           </a:xfrm>
         </p:spPr>
       </p:pic>
+      <p:sp>
+        <p:nvSpPr>
+          <p:cNvPr id="2" name="Titre 1">
+            <a:extLst>
+              <a:ext uri="{FF2B5EF4-FFF2-40B4-BE49-F238E27FC236}">
+                <a16:creationId xmlns:a16="http://schemas.microsoft.com/office/drawing/2014/main" id="{4289EC73-7F6B-5077-B801-0A04CF33C05C}"/>
+              </a:ext>
+            </a:extLst>
+          </p:cNvPr>
+          <p:cNvSpPr>
+            <a:spLocks noGrp="1"/>
+          </p:cNvSpPr>
+          <p:nvPr>
+            <p:ph type="title"/>
+          </p:nvPr>
+        </p:nvSpPr>
+        <p:spPr/>
+        <p:txBody>
+          <a:bodyPr/>
+          <a:lstStyle/>
+          <a:p>
+            <a:r>
+              <a:rPr lang="fr-CH" b="1" i="0" u="none" strike="noStrike" dirty="0">
+                <a:effectLst/>
+                <a:latin typeface="Söhne"/>
+              </a:rPr>
+              <a:t>Schéma Conceptuel UML</a:t>
+            </a:r>
+            <a:endParaRPr lang="fr-FR" dirty="0"/>
+          </a:p>
+        </p:txBody>
+      </p:sp>
     </p:spTree>
     <p:extLst>
       <p:ext uri="{BB962C8B-B14F-4D97-AF65-F5344CB8AC3E}">
@@ -4604,10 +4609,15 @@
             <p:ph idx="1"/>
           </p:nvPr>
         </p:nvSpPr>
-        <p:spPr/>
+        <p:spPr>
+          <a:xfrm>
+            <a:off x="838199" y="1825624"/>
+            <a:ext cx="10849303" cy="4564665"/>
+          </a:xfrm>
+        </p:spPr>
         <p:txBody>
           <a:bodyPr>
-            <a:normAutofit lnSpcReduction="10000"/>
+            <a:normAutofit/>
           </a:bodyPr>
           <a:lstStyle/>
           <a:p>
@@ -4616,7 +4626,25 @@
               <a:rPr lang="fr-CH" b="1" dirty="0" err="1">
                 <a:latin typeface="Söhne"/>
               </a:rPr>
-              <a:t>MyAmazingFitness</a:t>
+              <a:t>My</a:t>
+            </a:r>
+            <a:r>
+              <a:rPr lang="fr-CH" b="1" dirty="0">
+                <a:latin typeface="Söhne"/>
+              </a:rPr>
+              <a:t> </a:t>
+            </a:r>
+            <a:r>
+              <a:rPr lang="fr-CH" b="1" dirty="0" err="1">
+                <a:latin typeface="Söhne"/>
+              </a:rPr>
+              <a:t>Amazing</a:t>
+            </a:r>
+            <a:r>
+              <a:rPr lang="fr-CH" b="1" dirty="0">
+                <a:latin typeface="Söhne"/>
+              </a:rPr>
+              <a:t> Fitness</a:t>
             </a:r>
             <a:endParaRPr lang="fr-CH" b="1" i="0" u="none" strike="noStrike" dirty="0">
               <a:effectLst/>
@@ -4640,7 +4668,7 @@
                 <a:effectLst/>
                 <a:latin typeface="Söhne"/>
               </a:rPr>
-              <a:t>Membre, Visiteur, , Employé</a:t>
+              <a:t>Membre, Visiteur, Employé</a:t>
             </a:r>
             <a:r>
               <a:rPr lang="fr-CH" dirty="0">
@@ -4801,7 +4829,7 @@
         <p:spPr/>
         <p:txBody>
           <a:bodyPr>
-            <a:normAutofit fontScale="62500" lnSpcReduction="20000"/>
+            <a:normAutofit fontScale="92500" lnSpcReduction="20000"/>
           </a:bodyPr>
           <a:lstStyle/>
           <a:p>
@@ -4842,7 +4870,7 @@
                 <a:effectLst/>
                 <a:latin typeface="Söhne"/>
               </a:rPr>
-              <a:t>Vue combinant tous les comptes (Membre, Employé, Personnel Administratif, Administrateur, Instructeur) avec les informations personnelles.</a:t>
+              <a:t>Vue combinant tous les comptes avec les informations personnelles.</a:t>
             </a:r>
           </a:p>
           <a:p>
@@ -4884,23 +4912,32 @@
                 <a:effectLst/>
                 <a:latin typeface="Söhne"/>
               </a:rPr>
-              <a:t>MemberSubscriptionView</a:t>
-            </a:r>
-            <a:endParaRPr lang="fr-CH" b="0" i="0" u="none" strike="noStrike" dirty="0">
-              <a:effectLst/>
-              <a:latin typeface="Söhne"/>
-            </a:endParaRPr>
-          </a:p>
-          <a:p>
-            <a:pPr marL="457200" lvl="1" indent="0" algn="l">
+              <a:t>MemberCourseWeekView</a:t>
+            </a:r>
+            <a:r>
+              <a:rPr lang="fr-CH" b="1" i="0" u="none" strike="noStrike" dirty="0">
+                <a:effectLst/>
+                <a:latin typeface="Söhne"/>
+              </a:rPr>
+              <a:t> :</a:t>
+            </a:r>
+            <a:r>
+              <a:rPr lang="fr-CH" b="0" i="0" u="none" strike="noStrike" dirty="0">
+                <a:effectLst/>
+                <a:latin typeface="Söhne"/>
+              </a:rPr>
+              <a:t> </a:t>
+            </a:r>
+          </a:p>
+          <a:p>
+            <a:pPr marL="0" indent="0" algn="l">
               <a:buNone/>
             </a:pPr>
             <a:r>
-              <a:rPr lang="fr-CH" b="0" i="0" u="none" strike="noStrike" dirty="0">
-                <a:effectLst/>
-                <a:latin typeface="Söhne"/>
-              </a:rPr>
-              <a:t>Vue montrant les membres et leurs contrats et abonnements.</a:t>
+              <a:rPr lang="fr-CH" sz="2400" dirty="0">
+                <a:latin typeface="Söhne"/>
+              </a:rPr>
+              <a:t>       Présentation des cours de la semaine avec des détails spécifiques aux membres.</a:t>
             </a:r>
           </a:p>
           <a:p>
@@ -4913,23 +4950,32 @@
                 <a:effectLst/>
                 <a:latin typeface="Söhne"/>
               </a:rPr>
-              <a:t>MemberInvoiceView</a:t>
-            </a:r>
-            <a:endParaRPr lang="fr-CH" b="0" i="0" u="none" strike="noStrike" dirty="0">
-              <a:effectLst/>
-              <a:latin typeface="Söhne"/>
-            </a:endParaRPr>
-          </a:p>
-          <a:p>
-            <a:pPr marL="457200" lvl="1" indent="0" algn="l">
+              <a:t>MembreAbonnementView</a:t>
+            </a:r>
+            <a:r>
+              <a:rPr lang="fr-CH" b="1" i="0" u="none" strike="noStrike" dirty="0">
+                <a:effectLst/>
+                <a:latin typeface="Söhne"/>
+              </a:rPr>
+              <a:t> :</a:t>
+            </a:r>
+            <a:r>
+              <a:rPr lang="fr-CH" b="0" i="0" u="none" strike="noStrike" dirty="0">
+                <a:effectLst/>
+                <a:latin typeface="Söhne"/>
+              </a:rPr>
+              <a:t> </a:t>
+            </a:r>
+          </a:p>
+          <a:p>
+            <a:pPr marL="457200" lvl="1" indent="0">
               <a:buNone/>
             </a:pPr>
             <a:r>
-              <a:rPr lang="fr-CH" b="0" i="0" u="none" strike="noStrike" dirty="0">
-                <a:effectLst/>
-                <a:latin typeface="Söhne"/>
-              </a:rPr>
-              <a:t>Vue montrant les membres et leurs factures.</a:t>
+              <a:rPr lang="fr-CH" sz="2000" dirty="0">
+                <a:latin typeface="Söhne"/>
+              </a:rPr>
+              <a:t>Aperçu des membres avec détails sur leurs contrats et abonnements, incluant l'identifiant du membre.</a:t>
             </a:r>
           </a:p>
           <a:p>
@@ -4942,81 +4988,32 @@
                 <a:effectLst/>
                 <a:latin typeface="Söhne"/>
               </a:rPr>
-              <a:t>InstructorCourseView</a:t>
-            </a:r>
-            <a:endParaRPr lang="fr-CH" b="0" i="0" u="none" strike="noStrike" dirty="0">
-              <a:effectLst/>
-              <a:latin typeface="Söhne"/>
-            </a:endParaRPr>
-          </a:p>
-          <a:p>
-            <a:pPr marL="457200" lvl="1" indent="0" algn="l">
+              <a:t>MembreFactureView</a:t>
+            </a:r>
+            <a:r>
+              <a:rPr lang="fr-CH" b="1" i="0" u="none" strike="noStrike" dirty="0">
+                <a:effectLst/>
+                <a:latin typeface="Söhne"/>
+              </a:rPr>
+              <a:t> :</a:t>
+            </a:r>
+            <a:r>
+              <a:rPr lang="fr-CH" b="0" i="0" u="none" strike="noStrike" dirty="0">
+                <a:effectLst/>
+                <a:latin typeface="Söhne"/>
+              </a:rPr>
+              <a:t> </a:t>
+            </a:r>
+          </a:p>
+          <a:p>
+            <a:pPr marL="457200" lvl="1" indent="0">
               <a:buNone/>
             </a:pPr>
             <a:r>
-              <a:rPr lang="fr-CH" b="0" i="0" u="none" strike="noStrike" dirty="0">
-                <a:effectLst/>
-                <a:latin typeface="Söhne"/>
-              </a:rPr>
-              <a:t>Vue montrant les instructeurs et leurs cours.</a:t>
-            </a:r>
-          </a:p>
-          <a:p>
-            <a:pPr algn="l">
-              <a:buFont typeface="+mj-lt"/>
-              <a:buAutoNum type="arabicPeriod"/>
-            </a:pPr>
-            <a:r>
-              <a:rPr lang="fr-CH" b="1" i="0" u="none" strike="noStrike" dirty="0" err="1">
-                <a:effectLst/>
-                <a:latin typeface="Söhne"/>
-              </a:rPr>
-              <a:t>AveragePeoplePerHourView</a:t>
-            </a:r>
-            <a:endParaRPr lang="fr-CH" b="0" i="0" u="none" strike="noStrike" dirty="0">
-              <a:effectLst/>
-              <a:latin typeface="Söhne"/>
-            </a:endParaRPr>
-          </a:p>
-          <a:p>
-            <a:pPr marL="457200" lvl="1" indent="0" algn="l">
-              <a:buNone/>
-            </a:pPr>
-            <a:r>
-              <a:rPr lang="fr-CH" b="0" i="0" u="none" strike="noStrike" dirty="0">
-                <a:effectLst/>
-                <a:latin typeface="Söhne"/>
-              </a:rPr>
-              <a:t>Vue montrant la moyenne des personnes par heure pour chaque fitness center.</a:t>
-            </a:r>
-          </a:p>
-          <a:p>
-            <a:pPr algn="l">
-              <a:buFont typeface="+mj-lt"/>
-              <a:buAutoNum type="arabicPeriod"/>
-            </a:pPr>
-            <a:r>
-              <a:rPr lang="fr-CH" b="1" i="0" u="none" strike="noStrike" dirty="0" err="1">
-                <a:effectLst/>
-                <a:latin typeface="Söhne"/>
-              </a:rPr>
-              <a:t>ScheduleCourseView</a:t>
-            </a:r>
-            <a:endParaRPr lang="fr-CH" b="0" i="0" u="none" strike="noStrike" dirty="0">
-              <a:effectLst/>
-              <a:latin typeface="Söhne"/>
-            </a:endParaRPr>
-          </a:p>
-          <a:p>
-            <a:pPr marL="457200" lvl="1" indent="0" algn="l">
-              <a:buNone/>
-            </a:pPr>
-            <a:r>
-              <a:rPr lang="fr-CH" b="0" i="0" u="none" strike="noStrike" dirty="0">
-                <a:effectLst/>
-                <a:latin typeface="Söhne"/>
-              </a:rPr>
-              <a:t>Vue montrant l'horaire des cours par jour de la semaine.</a:t>
+              <a:rPr lang="fr-CH" sz="2000" dirty="0">
+                <a:latin typeface="Söhne"/>
+              </a:rPr>
+              <a:t>Affichage des membres et de leurs factures.</a:t>
             </a:r>
           </a:p>
           <a:p>
@@ -5105,7 +5102,7 @@
         <p:spPr/>
         <p:txBody>
           <a:bodyPr>
-            <a:normAutofit fontScale="70000" lnSpcReduction="20000"/>
+            <a:normAutofit fontScale="85000" lnSpcReduction="20000"/>
           </a:bodyPr>
           <a:lstStyle/>
           <a:p>
@@ -5118,6 +5115,63 @@
                 <a:latin typeface="Söhne"/>
               </a:rPr>
               <a:t>Triggers :</a:t>
+            </a:r>
+          </a:p>
+          <a:p>
+            <a:pPr>
+              <a:buFont typeface="+mj-lt"/>
+              <a:buAutoNum type="arabicPeriod"/>
+            </a:pPr>
+            <a:r>
+              <a:rPr lang="fr-CH" b="1" i="0" u="none" strike="noStrike" dirty="0" err="1">
+                <a:effectLst/>
+                <a:latin typeface="Söhne"/>
+              </a:rPr>
+              <a:t>create_account_trigger_membre</a:t>
+            </a:r>
+            <a:r>
+              <a:rPr lang="fr-CH" b="1" i="0" u="none" strike="noStrike" dirty="0">
+                <a:effectLst/>
+                <a:latin typeface="Söhne"/>
+              </a:rPr>
+              <a:t> </a:t>
+            </a:r>
+            <a:r>
+              <a:rPr lang="fr-CH" i="0" u="none" strike="noStrike" dirty="0">
+                <a:effectLst/>
+                <a:latin typeface="Söhne"/>
+              </a:rPr>
+              <a:t>et</a:t>
+            </a:r>
+            <a:r>
+              <a:rPr lang="fr-CH" b="1" i="0" u="none" strike="noStrike" dirty="0">
+                <a:effectLst/>
+                <a:latin typeface="Söhne"/>
+              </a:rPr>
+              <a:t> </a:t>
+            </a:r>
+            <a:r>
+              <a:rPr lang="fr-CH" b="1" i="0" u="none" strike="noStrike" dirty="0" err="1">
+                <a:effectLst/>
+                <a:latin typeface="Söhne"/>
+              </a:rPr>
+              <a:t>create_account_trigger_employe</a:t>
+            </a:r>
+            <a:endParaRPr lang="fr-CH" b="0" i="0" u="none" strike="noStrike" dirty="0">
+              <a:effectLst/>
+              <a:latin typeface="Söhne"/>
+            </a:endParaRPr>
+          </a:p>
+          <a:p>
+            <a:pPr marL="457200" lvl="1" indent="0" algn="l">
+              <a:buNone/>
+            </a:pPr>
+            <a:r>
+              <a:rPr lang="fr-CH" b="0" i="0" u="none" strike="noStrike" dirty="0">
+                <a:effectLst/>
+                <a:latin typeface="Söhne"/>
+              </a:rPr>
+              <a:t>Trigger avant insertion d'un nouveau membre ou employé pour créer un compte associé.</a:t>
             </a:r>
           </a:p>
           <a:p>
@@ -5130,7 +5184,7 @@
                 <a:effectLst/>
                 <a:latin typeface="Söhne"/>
               </a:rPr>
-              <a:t>create_account_trigger_membre</a:t>
+              <a:t>create_factures_trigger</a:t>
             </a:r>
             <a:endParaRPr lang="fr-CH" b="0" i="0" u="none" strike="noStrike" dirty="0">
               <a:effectLst/>
@@ -5146,7 +5200,7 @@
                 <a:effectLst/>
                 <a:latin typeface="Söhne"/>
               </a:rPr>
-              <a:t>Trigger avant insertion d'un nouveau membre pour créer un compte associé.</a:t>
+              <a:t>Trigger après insertion d'un nouveau contrat d'abonnement pour créer les factures associées.</a:t>
             </a:r>
           </a:p>
           <a:p>
@@ -5159,7 +5213,7 @@
                 <a:effectLst/>
                 <a:latin typeface="Söhne"/>
               </a:rPr>
-              <a:t>create_account_trigger_employe</a:t>
+              <a:t>increment_comptage_passage_trigger</a:t>
             </a:r>
             <a:endParaRPr lang="fr-CH" b="0" i="0" u="none" strike="noStrike" dirty="0">
               <a:effectLst/>
@@ -5175,7 +5229,7 @@
                 <a:effectLst/>
                 <a:latin typeface="Söhne"/>
               </a:rPr>
-              <a:t>Trigger avant insertion d'un nouvel employé pour créer un compte associé.</a:t>
+              <a:t>Trigger après insertion d'un nouveau passage pour incrémenter le comptage de personnes dans le fitness center.</a:t>
             </a:r>
           </a:p>
           <a:p>
@@ -5188,7 +5242,7 @@
                 <a:effectLst/>
                 <a:latin typeface="Söhne"/>
               </a:rPr>
-              <a:t>create_factures_trigger</a:t>
+              <a:t>suppression_trigger_membre</a:t>
             </a:r>
             <a:endParaRPr lang="fr-CH" b="0" i="0" u="none" strike="noStrike" dirty="0">
               <a:effectLst/>
@@ -5204,7 +5258,7 @@
                 <a:effectLst/>
                 <a:latin typeface="Söhne"/>
               </a:rPr>
-              <a:t>Trigger après insertion d'un nouveau contrat d'abonnement pour créer les factures associées.</a:t>
+              <a:t>Trigger après suppression d'un membre pour enregistrer les informations dans le log.</a:t>
             </a:r>
           </a:p>
           <a:p>
@@ -5217,7 +5271,7 @@
                 <a:effectLst/>
                 <a:latin typeface="Söhne"/>
               </a:rPr>
-              <a:t>increment_comptage_passage_trigger</a:t>
+              <a:t>suppression_trigger_employe</a:t>
             </a:r>
             <a:endParaRPr lang="fr-CH" b="0" i="0" u="none" strike="noStrike" dirty="0">
               <a:effectLst/>
@@ -5233,69 +5287,12 @@
                 <a:effectLst/>
                 <a:latin typeface="Söhne"/>
               </a:rPr>
-              <a:t>Trigger après insertion d'un nouveau passage pour incrémenter le comptage de personnes dans le fitness center.</a:t>
-            </a:r>
-          </a:p>
-          <a:p>
-            <a:pPr algn="l">
-              <a:buFont typeface="+mj-lt"/>
-              <a:buAutoNum type="arabicPeriod"/>
-            </a:pPr>
-            <a:r>
-              <a:rPr lang="fr-CH" b="1" i="0" u="none" strike="noStrike" dirty="0" err="1">
-                <a:effectLst/>
-                <a:latin typeface="Söhne"/>
-              </a:rPr>
-              <a:t>log_suppression_trigger_membre</a:t>
-            </a:r>
-            <a:endParaRPr lang="fr-CH" b="0" i="0" u="none" strike="noStrike" dirty="0">
+              <a:t>Trigger après suppression d'un employé pour enregistrer les informations dans le log.</a:t>
+            </a:r>
+            <a:endParaRPr lang="fr-FR" b="0" i="0" u="none" strike="noStrike" dirty="0">
               <a:effectLst/>
               <a:latin typeface="Söhne"/>
             </a:endParaRPr>
-          </a:p>
-          <a:p>
-            <a:pPr marL="457200" lvl="1" indent="0" algn="l">
-              <a:buNone/>
-            </a:pPr>
-            <a:r>
-              <a:rPr lang="fr-CH" b="0" i="0" u="none" strike="noStrike" dirty="0">
-                <a:effectLst/>
-                <a:latin typeface="Söhne"/>
-              </a:rPr>
-              <a:t>Trigger après suppression d'un membre pour enregistrer les informations dans le log.</a:t>
-            </a:r>
-          </a:p>
-          <a:p>
-            <a:pPr algn="l">
-              <a:buFont typeface="+mj-lt"/>
-              <a:buAutoNum type="arabicPeriod"/>
-            </a:pPr>
-            <a:r>
-              <a:rPr lang="fr-CH" b="1" i="0" u="none" strike="noStrike" dirty="0" err="1">
-                <a:effectLst/>
-                <a:latin typeface="Söhne"/>
-              </a:rPr>
-              <a:t>log_suppression_trigger_employe</a:t>
-            </a:r>
-            <a:endParaRPr lang="fr-CH" b="0" i="0" u="none" strike="noStrike" dirty="0">
-              <a:effectLst/>
-              <a:latin typeface="Söhne"/>
-            </a:endParaRPr>
-          </a:p>
-          <a:p>
-            <a:pPr marL="457200" lvl="1" indent="0" algn="l">
-              <a:buNone/>
-            </a:pPr>
-            <a:r>
-              <a:rPr lang="fr-CH" b="0" i="0" u="none" strike="noStrike" dirty="0">
-                <a:effectLst/>
-                <a:latin typeface="Söhne"/>
-              </a:rPr>
-              <a:t>Trigger après suppression d'un employé pour enregistrer les informations dans le log.</a:t>
-            </a:r>
-          </a:p>
-          <a:p>
-            <a:endParaRPr lang="fr-FR" dirty="0"/>
           </a:p>
         </p:txBody>
       </p:sp>
@@ -5438,11 +5435,11 @@
               <a:buChar char="•"/>
             </a:pPr>
             <a:r>
-              <a:rPr lang="fr-CH" b="1" i="0" u="none" strike="noStrike" dirty="0" err="1">
-                <a:effectLst/>
-                <a:latin typeface="Söhne"/>
-              </a:rPr>
-              <a:t>UserController</a:t>
+              <a:rPr lang="fr-CH" b="1" i="0" u="none" strike="noStrike" dirty="0">
+                <a:effectLst/>
+                <a:latin typeface="Söhne"/>
+              </a:rPr>
+              <a:t>Controller</a:t>
             </a:r>
             <a:endParaRPr lang="fr-CH" b="0" i="0" u="none" strike="noStrike" dirty="0">
               <a:effectLst/>

--- a/Présentation.pptx
+++ b/Présentation.pptx
@@ -4021,7 +4021,25 @@
               </a:rPr>
               <a:t>Robuste et Facile à Déployer</a:t>
             </a:r>
-            <a:endParaRPr lang="fr-CH" b="0" i="0" u="none" strike="noStrike" dirty="0">
+          </a:p>
+          <a:p>
+            <a:pPr algn="l">
+              <a:buFont typeface="Arial" panose="020B0604020202020204" pitchFamily="34" charset="0"/>
+              <a:buChar char="•"/>
+            </a:pPr>
+            <a:endParaRPr lang="fr-CH" b="1" dirty="0">
+              <a:solidFill>
+                <a:srgbClr val="374151"/>
+              </a:solidFill>
+              <a:latin typeface="Söhne"/>
+            </a:endParaRPr>
+          </a:p>
+          <a:p>
+            <a:pPr algn="l">
+              <a:buFont typeface="Arial" panose="020B0604020202020204" pitchFamily="34" charset="0"/>
+              <a:buChar char="•"/>
+            </a:pPr>
+            <a:endParaRPr lang="fr-CH" b="1" i="0" u="none" strike="noStrike" dirty="0">
               <a:solidFill>
                 <a:srgbClr val="374151"/>
               </a:solidFill>
@@ -4030,7 +4048,39 @@
             </a:endParaRPr>
           </a:p>
           <a:p>
-            <a:endParaRPr lang="fr-FR" dirty="0"/>
+            <a:pPr marL="0" indent="0" algn="l">
+              <a:buNone/>
+            </a:pPr>
+            <a:r>
+              <a:rPr lang="fr-CH" b="1" dirty="0">
+                <a:solidFill>
+                  <a:schemeClr val="accent6">
+                    <a:lumMod val="75000"/>
+                  </a:schemeClr>
+                </a:solidFill>
+                <a:latin typeface="Söhne"/>
+              </a:rPr>
+              <a:t>Démonstration </a:t>
+            </a:r>
+            <a:r>
+              <a:rPr lang="fr-CH" b="1">
+                <a:solidFill>
+                  <a:schemeClr val="accent6">
+                    <a:lumMod val="75000"/>
+                  </a:schemeClr>
+                </a:solidFill>
+                <a:latin typeface="Söhne"/>
+              </a:rPr>
+              <a:t>en live </a:t>
+            </a:r>
+            <a:endParaRPr lang="fr-CH" b="1" dirty="0">
+              <a:solidFill>
+                <a:schemeClr val="accent6">
+                  <a:lumMod val="75000"/>
+                </a:schemeClr>
+              </a:solidFill>
+              <a:latin typeface="Söhne"/>
+            </a:endParaRPr>
           </a:p>
         </p:txBody>
       </p:sp>
@@ -4380,6 +4430,21 @@
             </a:endParaRPr>
           </a:p>
           <a:p>
+            <a:pPr marL="742950" lvl="1" indent="-285750"/>
+            <a:r>
+              <a:rPr lang="fr-CH" b="1" dirty="0">
+                <a:latin typeface="Söhne"/>
+              </a:rPr>
+              <a:t>Gestion des paiements:</a:t>
+            </a:r>
+            <a:r>
+              <a:rPr lang="fr-CH" dirty="0">
+                <a:latin typeface="Söhne"/>
+              </a:rPr>
+              <a:t> Intégration d'un système de paiement, historique des transactions.</a:t>
+            </a:r>
+          </a:p>
+          <a:p>
             <a:pPr marL="742950" lvl="1" indent="-285750" algn="l">
               <a:buFont typeface="Arial" panose="020B0604020202020204" pitchFamily="34" charset="0"/>
               <a:buChar char="•"/>
@@ -4405,18 +4470,17 @@
               <a:buChar char="•"/>
             </a:pPr>
             <a:r>
-              <a:rPr lang="fr-CH" b="1" i="0" u="none" strike="noStrike" dirty="0">
-                <a:effectLst/>
-                <a:latin typeface="Söhne"/>
-              </a:rPr>
-              <a:t>Gestion des paiements:</a:t>
+              <a:rPr lang="fr-CH" b="1" dirty="0">
+                <a:latin typeface="Söhne"/>
+              </a:rPr>
+              <a:t>Statistique des passages : </a:t>
             </a:r>
             <a:r>
               <a:rPr lang="fr-CH" b="0" i="0" u="none" strike="noStrike" dirty="0">
                 <a:effectLst/>
                 <a:latin typeface="Söhne"/>
               </a:rPr>
-              <a:t> Intégration d'un système de paiement, historique des transactions.</a:t>
+              <a:t>Outil de suivi de la progression pour les membres.</a:t>
             </a:r>
           </a:p>
           <a:p>
@@ -4428,15 +4492,18 @@
               <a:rPr lang="fr-CH" b="1" dirty="0">
                 <a:latin typeface="Söhne"/>
               </a:rPr>
-              <a:t>Statistique des passages : </a:t>
-            </a:r>
-            <a:r>
-              <a:rPr lang="fr-CH" b="0" i="0" u="none" strike="noStrike" dirty="0">
-                <a:effectLst/>
-                <a:latin typeface="Söhne"/>
-              </a:rPr>
-              <a:t>Outil de suivi de la progression pour les membres.</a:t>
-            </a:r>
+              <a:t>Administrateur</a:t>
+            </a:r>
+            <a:r>
+              <a:rPr lang="fr-CH" dirty="0">
+                <a:latin typeface="Söhne"/>
+              </a:rPr>
+              <a:t> : création et mise à jour des comptes et des cours.</a:t>
+            </a:r>
+            <a:endParaRPr lang="fr-CH" b="0" i="0" u="none" strike="noStrike" dirty="0">
+              <a:effectLst/>
+              <a:latin typeface="Söhne"/>
+            </a:endParaRPr>
           </a:p>
         </p:txBody>
       </p:sp>
@@ -4623,28 +4690,10 @@
           <a:p>
             <a:pPr algn="l"/>
             <a:r>
-              <a:rPr lang="fr-CH" b="1" dirty="0" err="1">
-                <a:latin typeface="Söhne"/>
-              </a:rPr>
-              <a:t>My</a:t>
-            </a:r>
-            <a:r>
               <a:rPr lang="fr-CH" b="1" dirty="0">
                 <a:latin typeface="Söhne"/>
               </a:rPr>
-              <a:t> </a:t>
-            </a:r>
-            <a:r>
-              <a:rPr lang="fr-CH" b="1" dirty="0" err="1">
-                <a:latin typeface="Söhne"/>
-              </a:rPr>
-              <a:t>Amazing</a:t>
-            </a:r>
-            <a:r>
-              <a:rPr lang="fr-CH" b="1" dirty="0">
-                <a:latin typeface="Söhne"/>
-              </a:rPr>
-              <a:t> Fitness</a:t>
+              <a:t>Salle de Fitness</a:t>
             </a:r>
             <a:endParaRPr lang="fr-CH" b="1" i="0" u="none" strike="noStrike" dirty="0">
               <a:effectLst/>
@@ -4941,23 +4990,15 @@
             </a:r>
           </a:p>
           <a:p>
-            <a:pPr algn="l">
-              <a:buFont typeface="+mj-lt"/>
-              <a:buAutoNum type="arabicPeriod"/>
+            <a:pPr marL="0" indent="0" algn="l">
+              <a:buNone/>
             </a:pPr>
             <a:r>
-              <a:rPr lang="fr-CH" b="1" i="0" u="none" strike="noStrike" dirty="0" err="1">
-                <a:effectLst/>
-                <a:latin typeface="Söhne"/>
-              </a:rPr>
-              <a:t>MembreAbonnementView</a:t>
-            </a:r>
-            <a:r>
               <a:rPr lang="fr-CH" b="1" i="0" u="none" strike="noStrike" dirty="0">
                 <a:effectLst/>
                 <a:latin typeface="Söhne"/>
               </a:rPr>
-              <a:t> :</a:t>
+              <a:t>4.MembreAbonnementView :</a:t>
             </a:r>
             <a:r>
               <a:rPr lang="fr-CH" b="0" i="0" u="none" strike="noStrike" dirty="0">
@@ -4972,30 +5013,22 @@
               <a:buNone/>
             </a:pPr>
             <a:r>
-              <a:rPr lang="fr-CH" sz="2000" dirty="0">
+              <a:rPr lang="fr-CH" dirty="0">
                 <a:latin typeface="Söhne"/>
               </a:rPr>
               <a:t>Aperçu des membres avec détails sur leurs contrats et abonnements, incluant l'identifiant du membre.</a:t>
             </a:r>
           </a:p>
           <a:p>
-            <a:pPr algn="l">
-              <a:buFont typeface="+mj-lt"/>
-              <a:buAutoNum type="arabicPeriod"/>
+            <a:pPr marL="0" indent="0" algn="l">
+              <a:buNone/>
             </a:pPr>
             <a:r>
-              <a:rPr lang="fr-CH" b="1" i="0" u="none" strike="noStrike" dirty="0" err="1">
-                <a:effectLst/>
-                <a:latin typeface="Söhne"/>
-              </a:rPr>
-              <a:t>MembreFactureView</a:t>
-            </a:r>
-            <a:r>
               <a:rPr lang="fr-CH" b="1" i="0" u="none" strike="noStrike" dirty="0">
                 <a:effectLst/>
                 <a:latin typeface="Söhne"/>
               </a:rPr>
-              <a:t> :</a:t>
+              <a:t>5.MembreFactureView :</a:t>
             </a:r>
             <a:r>
               <a:rPr lang="fr-CH" b="0" i="0" u="none" strike="noStrike" dirty="0">
@@ -5010,7 +5043,7 @@
               <a:buNone/>
             </a:pPr>
             <a:r>
-              <a:rPr lang="fr-CH" sz="2000" dirty="0">
+              <a:rPr lang="fr-CH" dirty="0">
                 <a:latin typeface="Söhne"/>
               </a:rPr>
               <a:t>Affichage des membres et de leurs factures.</a:t>
@@ -5106,12 +5139,11 @@
           </a:bodyPr>
           <a:lstStyle/>
           <a:p>
-            <a:pPr marL="0" indent="0" algn="l">
+            <a:pPr marL="0" indent="0">
               <a:buNone/>
             </a:pPr>
             <a:r>
-              <a:rPr lang="fr-CH" sz="4000" b="1" i="0" u="none" strike="noStrike" dirty="0">
-                <a:effectLst/>
+              <a:rPr lang="fr-CH" sz="4800" b="1" dirty="0">
                 <a:latin typeface="Söhne"/>
               </a:rPr>
               <a:t>Triggers :</a:t>
@@ -5495,7 +5527,16 @@
               </a:rPr>
               <a:t>Servlets pour les pages web</a:t>
             </a:r>
-            <a:endParaRPr lang="fr-CH" b="0" i="0" u="none" strike="noStrike" dirty="0">
+          </a:p>
+          <a:p>
+            <a:pPr marL="742950" lvl="1" indent="-285750"/>
+            <a:r>
+              <a:rPr lang="fr-CH" dirty="0">
+                <a:latin typeface="Söhne"/>
+              </a:rPr>
+              <a:t>Utilisation de cookies.</a:t>
+            </a:r>
+            <a:endParaRPr lang="fr-CH" i="0" u="none" strike="noStrike" dirty="0">
               <a:effectLst/>
               <a:latin typeface="Söhne"/>
             </a:endParaRPr>
